--- a/Week 2/Lecture_1_Geoprocessing_and_Python_Window.pptx
+++ b/Week 2/Lecture_1_Geoprocessing_and_Python_Window.pptx
@@ -24,8 +24,7 @@
     <p:sldId id="274" r:id="rId18"/>
     <p:sldId id="275" r:id="rId19"/>
     <p:sldId id="276" r:id="rId20"/>
-    <p:sldId id="277" r:id="rId21"/>
-    <p:sldId id="269" r:id="rId22"/>
+    <p:sldId id="269" r:id="rId21"/>
   </p:sldIdLst>
   <p:sldSz cx="12192000" cy="6858000"/>
   <p:notesSz cx="6858000" cy="9144000"/>
@@ -174,10 +173,9 @@
           </a:lstStyle>
           <a:p>
             <a:r>
-              <a:rPr lang="en-US" smtClean="0"/>
+              <a:rPr lang="en-US"/>
               <a:t>Click to edit Master title style</a:t>
             </a:r>
-            <a:endParaRPr lang="en-US"/>
           </a:p>
         </p:txBody>
       </p:sp>
@@ -239,10 +237,9 @@
           </a:lstStyle>
           <a:p>
             <a:r>
-              <a:rPr lang="en-US" smtClean="0"/>
+              <a:rPr lang="en-US"/>
               <a:t>Click to edit Master subtitle style</a:t>
             </a:r>
-            <a:endParaRPr lang="en-US"/>
           </a:p>
         </p:txBody>
       </p:sp>
@@ -263,7 +260,7 @@
           <a:p>
             <a:fld id="{513F8C17-1AD3-453B-90A8-31E7DAAD0F81}" type="datetimeFigureOut">
               <a:rPr lang="en-US" smtClean="0"/>
-              <a:t>1/11/2017</a:t>
+              <a:t>1/17/2019</a:t>
             </a:fld>
             <a:endParaRPr lang="en-US"/>
           </a:p>
@@ -357,10 +354,9 @@
           <a:lstStyle/>
           <a:p>
             <a:r>
-              <a:rPr lang="en-US" smtClean="0"/>
+              <a:rPr lang="en-US"/>
               <a:t>Click to edit Master title style</a:t>
             </a:r>
-            <a:endParaRPr lang="en-US"/>
           </a:p>
         </p:txBody>
       </p:sp>
@@ -381,38 +377,37 @@
           <a:p>
             <a:pPr lvl="0"/>
             <a:r>
-              <a:rPr lang="en-US" smtClean="0"/>
+              <a:rPr lang="en-US"/>
               <a:t>Click to edit Master text styles</a:t>
             </a:r>
           </a:p>
           <a:p>
             <a:pPr lvl="1"/>
             <a:r>
-              <a:rPr lang="en-US" smtClean="0"/>
+              <a:rPr lang="en-US"/>
               <a:t>Second level</a:t>
             </a:r>
           </a:p>
           <a:p>
             <a:pPr lvl="2"/>
             <a:r>
-              <a:rPr lang="en-US" smtClean="0"/>
+              <a:rPr lang="en-US"/>
               <a:t>Third level</a:t>
             </a:r>
           </a:p>
           <a:p>
             <a:pPr lvl="3"/>
             <a:r>
-              <a:rPr lang="en-US" smtClean="0"/>
+              <a:rPr lang="en-US"/>
               <a:t>Fourth level</a:t>
             </a:r>
           </a:p>
           <a:p>
             <a:pPr lvl="4"/>
             <a:r>
-              <a:rPr lang="en-US" smtClean="0"/>
+              <a:rPr lang="en-US"/>
               <a:t>Fifth level</a:t>
             </a:r>
-            <a:endParaRPr lang="en-US"/>
           </a:p>
         </p:txBody>
       </p:sp>
@@ -433,7 +428,7 @@
           <a:p>
             <a:fld id="{513F8C17-1AD3-453B-90A8-31E7DAAD0F81}" type="datetimeFigureOut">
               <a:rPr lang="en-US" smtClean="0"/>
-              <a:t>1/11/2017</a:t>
+              <a:t>1/17/2019</a:t>
             </a:fld>
             <a:endParaRPr lang="en-US"/>
           </a:p>
@@ -532,10 +527,9 @@
           <a:lstStyle/>
           <a:p>
             <a:r>
-              <a:rPr lang="en-US" smtClean="0"/>
+              <a:rPr lang="en-US"/>
               <a:t>Click to edit Master title style</a:t>
             </a:r>
-            <a:endParaRPr lang="en-US"/>
           </a:p>
         </p:txBody>
       </p:sp>
@@ -561,38 +555,37 @@
           <a:p>
             <a:pPr lvl="0"/>
             <a:r>
-              <a:rPr lang="en-US" smtClean="0"/>
+              <a:rPr lang="en-US"/>
               <a:t>Click to edit Master text styles</a:t>
             </a:r>
           </a:p>
           <a:p>
             <a:pPr lvl="1"/>
             <a:r>
-              <a:rPr lang="en-US" smtClean="0"/>
+              <a:rPr lang="en-US"/>
               <a:t>Second level</a:t>
             </a:r>
           </a:p>
           <a:p>
             <a:pPr lvl="2"/>
             <a:r>
-              <a:rPr lang="en-US" smtClean="0"/>
+              <a:rPr lang="en-US"/>
               <a:t>Third level</a:t>
             </a:r>
           </a:p>
           <a:p>
             <a:pPr lvl="3"/>
             <a:r>
-              <a:rPr lang="en-US" smtClean="0"/>
+              <a:rPr lang="en-US"/>
               <a:t>Fourth level</a:t>
             </a:r>
           </a:p>
           <a:p>
             <a:pPr lvl="4"/>
             <a:r>
-              <a:rPr lang="en-US" smtClean="0"/>
+              <a:rPr lang="en-US"/>
               <a:t>Fifth level</a:t>
             </a:r>
-            <a:endParaRPr lang="en-US"/>
           </a:p>
         </p:txBody>
       </p:sp>
@@ -613,7 +606,7 @@
           <a:p>
             <a:fld id="{513F8C17-1AD3-453B-90A8-31E7DAAD0F81}" type="datetimeFigureOut">
               <a:rPr lang="en-US" smtClean="0"/>
-              <a:t>1/11/2017</a:t>
+              <a:t>1/17/2019</a:t>
             </a:fld>
             <a:endParaRPr lang="en-US"/>
           </a:p>
@@ -707,10 +700,9 @@
           <a:lstStyle/>
           <a:p>
             <a:r>
-              <a:rPr lang="en-US" smtClean="0"/>
+              <a:rPr lang="en-US"/>
               <a:t>Click to edit Master title style</a:t>
             </a:r>
-            <a:endParaRPr lang="en-US"/>
           </a:p>
         </p:txBody>
       </p:sp>
@@ -731,38 +723,37 @@
           <a:p>
             <a:pPr lvl="0"/>
             <a:r>
-              <a:rPr lang="en-US" smtClean="0"/>
+              <a:rPr lang="en-US"/>
               <a:t>Click to edit Master text styles</a:t>
             </a:r>
           </a:p>
           <a:p>
             <a:pPr lvl="1"/>
             <a:r>
-              <a:rPr lang="en-US" smtClean="0"/>
+              <a:rPr lang="en-US"/>
               <a:t>Second level</a:t>
             </a:r>
           </a:p>
           <a:p>
             <a:pPr lvl="2"/>
             <a:r>
-              <a:rPr lang="en-US" smtClean="0"/>
+              <a:rPr lang="en-US"/>
               <a:t>Third level</a:t>
             </a:r>
           </a:p>
           <a:p>
             <a:pPr lvl="3"/>
             <a:r>
-              <a:rPr lang="en-US" smtClean="0"/>
+              <a:rPr lang="en-US"/>
               <a:t>Fourth level</a:t>
             </a:r>
           </a:p>
           <a:p>
             <a:pPr lvl="4"/>
             <a:r>
-              <a:rPr lang="en-US" smtClean="0"/>
+              <a:rPr lang="en-US"/>
               <a:t>Fifth level</a:t>
             </a:r>
-            <a:endParaRPr lang="en-US"/>
           </a:p>
         </p:txBody>
       </p:sp>
@@ -783,7 +774,7 @@
           <a:p>
             <a:fld id="{513F8C17-1AD3-453B-90A8-31E7DAAD0F81}" type="datetimeFigureOut">
               <a:rPr lang="en-US" smtClean="0"/>
-              <a:t>1/11/2017</a:t>
+              <a:t>1/17/2019</a:t>
             </a:fld>
             <a:endParaRPr lang="en-US"/>
           </a:p>
@@ -886,10 +877,9 @@
           </a:lstStyle>
           <a:p>
             <a:r>
-              <a:rPr lang="en-US" smtClean="0"/>
+              <a:rPr lang="en-US"/>
               <a:t>Click to edit Master title style</a:t>
             </a:r>
-            <a:endParaRPr lang="en-US"/>
           </a:p>
         </p:txBody>
       </p:sp>
@@ -1006,7 +996,7 @@
           <a:p>
             <a:pPr lvl="0"/>
             <a:r>
-              <a:rPr lang="en-US" smtClean="0"/>
+              <a:rPr lang="en-US"/>
               <a:t>Click to edit Master text styles</a:t>
             </a:r>
           </a:p>
@@ -1029,7 +1019,7 @@
           <a:p>
             <a:fld id="{513F8C17-1AD3-453B-90A8-31E7DAAD0F81}" type="datetimeFigureOut">
               <a:rPr lang="en-US" smtClean="0"/>
-              <a:t>1/11/2017</a:t>
+              <a:t>1/17/2019</a:t>
             </a:fld>
             <a:endParaRPr lang="en-US"/>
           </a:p>
@@ -1123,10 +1113,9 @@
           <a:lstStyle/>
           <a:p>
             <a:r>
-              <a:rPr lang="en-US" smtClean="0"/>
+              <a:rPr lang="en-US"/>
               <a:t>Click to edit Master title style</a:t>
             </a:r>
-            <a:endParaRPr lang="en-US"/>
           </a:p>
         </p:txBody>
       </p:sp>
@@ -1152,38 +1141,37 @@
           <a:p>
             <a:pPr lvl="0"/>
             <a:r>
-              <a:rPr lang="en-US" smtClean="0"/>
+              <a:rPr lang="en-US"/>
               <a:t>Click to edit Master text styles</a:t>
             </a:r>
           </a:p>
           <a:p>
             <a:pPr lvl="1"/>
             <a:r>
-              <a:rPr lang="en-US" smtClean="0"/>
+              <a:rPr lang="en-US"/>
               <a:t>Second level</a:t>
             </a:r>
           </a:p>
           <a:p>
             <a:pPr lvl="2"/>
             <a:r>
-              <a:rPr lang="en-US" smtClean="0"/>
+              <a:rPr lang="en-US"/>
               <a:t>Third level</a:t>
             </a:r>
           </a:p>
           <a:p>
             <a:pPr lvl="3"/>
             <a:r>
-              <a:rPr lang="en-US" smtClean="0"/>
+              <a:rPr lang="en-US"/>
               <a:t>Fourth level</a:t>
             </a:r>
           </a:p>
           <a:p>
             <a:pPr lvl="4"/>
             <a:r>
-              <a:rPr lang="en-US" smtClean="0"/>
+              <a:rPr lang="en-US"/>
               <a:t>Fifth level</a:t>
             </a:r>
-            <a:endParaRPr lang="en-US"/>
           </a:p>
         </p:txBody>
       </p:sp>
@@ -1209,38 +1197,37 @@
           <a:p>
             <a:pPr lvl="0"/>
             <a:r>
-              <a:rPr lang="en-US" smtClean="0"/>
+              <a:rPr lang="en-US"/>
               <a:t>Click to edit Master text styles</a:t>
             </a:r>
           </a:p>
           <a:p>
             <a:pPr lvl="1"/>
             <a:r>
-              <a:rPr lang="en-US" smtClean="0"/>
+              <a:rPr lang="en-US"/>
               <a:t>Second level</a:t>
             </a:r>
           </a:p>
           <a:p>
             <a:pPr lvl="2"/>
             <a:r>
-              <a:rPr lang="en-US" smtClean="0"/>
+              <a:rPr lang="en-US"/>
               <a:t>Third level</a:t>
             </a:r>
           </a:p>
           <a:p>
             <a:pPr lvl="3"/>
             <a:r>
-              <a:rPr lang="en-US" smtClean="0"/>
+              <a:rPr lang="en-US"/>
               <a:t>Fourth level</a:t>
             </a:r>
           </a:p>
           <a:p>
             <a:pPr lvl="4"/>
             <a:r>
-              <a:rPr lang="en-US" smtClean="0"/>
+              <a:rPr lang="en-US"/>
               <a:t>Fifth level</a:t>
             </a:r>
-            <a:endParaRPr lang="en-US"/>
           </a:p>
         </p:txBody>
       </p:sp>
@@ -1261,7 +1248,7 @@
           <a:p>
             <a:fld id="{513F8C17-1AD3-453B-90A8-31E7DAAD0F81}" type="datetimeFigureOut">
               <a:rPr lang="en-US" smtClean="0"/>
-              <a:t>1/11/2017</a:t>
+              <a:t>1/17/2019</a:t>
             </a:fld>
             <a:endParaRPr lang="en-US"/>
           </a:p>
@@ -1360,10 +1347,9 @@
           <a:lstStyle/>
           <a:p>
             <a:r>
-              <a:rPr lang="en-US" smtClean="0"/>
+              <a:rPr lang="en-US"/>
               <a:t>Click to edit Master title style</a:t>
             </a:r>
-            <a:endParaRPr lang="en-US"/>
           </a:p>
         </p:txBody>
       </p:sp>
@@ -1426,7 +1412,7 @@
           <a:p>
             <a:pPr lvl="0"/>
             <a:r>
-              <a:rPr lang="en-US" smtClean="0"/>
+              <a:rPr lang="en-US"/>
               <a:t>Click to edit Master text styles</a:t>
             </a:r>
           </a:p>
@@ -1454,38 +1440,37 @@
           <a:p>
             <a:pPr lvl="0"/>
             <a:r>
-              <a:rPr lang="en-US" smtClean="0"/>
+              <a:rPr lang="en-US"/>
               <a:t>Click to edit Master text styles</a:t>
             </a:r>
           </a:p>
           <a:p>
             <a:pPr lvl="1"/>
             <a:r>
-              <a:rPr lang="en-US" smtClean="0"/>
+              <a:rPr lang="en-US"/>
               <a:t>Second level</a:t>
             </a:r>
           </a:p>
           <a:p>
             <a:pPr lvl="2"/>
             <a:r>
-              <a:rPr lang="en-US" smtClean="0"/>
+              <a:rPr lang="en-US"/>
               <a:t>Third level</a:t>
             </a:r>
           </a:p>
           <a:p>
             <a:pPr lvl="3"/>
             <a:r>
-              <a:rPr lang="en-US" smtClean="0"/>
+              <a:rPr lang="en-US"/>
               <a:t>Fourth level</a:t>
             </a:r>
           </a:p>
           <a:p>
             <a:pPr lvl="4"/>
             <a:r>
-              <a:rPr lang="en-US" smtClean="0"/>
+              <a:rPr lang="en-US"/>
               <a:t>Fifth level</a:t>
             </a:r>
-            <a:endParaRPr lang="en-US"/>
           </a:p>
         </p:txBody>
       </p:sp>
@@ -1548,7 +1533,7 @@
           <a:p>
             <a:pPr lvl="0"/>
             <a:r>
-              <a:rPr lang="en-US" smtClean="0"/>
+              <a:rPr lang="en-US"/>
               <a:t>Click to edit Master text styles</a:t>
             </a:r>
           </a:p>
@@ -1576,38 +1561,37 @@
           <a:p>
             <a:pPr lvl="0"/>
             <a:r>
-              <a:rPr lang="en-US" smtClean="0"/>
+              <a:rPr lang="en-US"/>
               <a:t>Click to edit Master text styles</a:t>
             </a:r>
           </a:p>
           <a:p>
             <a:pPr lvl="1"/>
             <a:r>
-              <a:rPr lang="en-US" smtClean="0"/>
+              <a:rPr lang="en-US"/>
               <a:t>Second level</a:t>
             </a:r>
           </a:p>
           <a:p>
             <a:pPr lvl="2"/>
             <a:r>
-              <a:rPr lang="en-US" smtClean="0"/>
+              <a:rPr lang="en-US"/>
               <a:t>Third level</a:t>
             </a:r>
           </a:p>
           <a:p>
             <a:pPr lvl="3"/>
             <a:r>
-              <a:rPr lang="en-US" smtClean="0"/>
+              <a:rPr lang="en-US"/>
               <a:t>Fourth level</a:t>
             </a:r>
           </a:p>
           <a:p>
             <a:pPr lvl="4"/>
             <a:r>
-              <a:rPr lang="en-US" smtClean="0"/>
+              <a:rPr lang="en-US"/>
               <a:t>Fifth level</a:t>
             </a:r>
-            <a:endParaRPr lang="en-US"/>
           </a:p>
         </p:txBody>
       </p:sp>
@@ -1628,7 +1612,7 @@
           <a:p>
             <a:fld id="{513F8C17-1AD3-453B-90A8-31E7DAAD0F81}" type="datetimeFigureOut">
               <a:rPr lang="en-US" smtClean="0"/>
-              <a:t>1/11/2017</a:t>
+              <a:t>1/17/2019</a:t>
             </a:fld>
             <a:endParaRPr lang="en-US"/>
           </a:p>
@@ -1722,10 +1706,9 @@
           <a:lstStyle/>
           <a:p>
             <a:r>
-              <a:rPr lang="en-US" smtClean="0"/>
+              <a:rPr lang="en-US"/>
               <a:t>Click to edit Master title style</a:t>
             </a:r>
-            <a:endParaRPr lang="en-US"/>
           </a:p>
         </p:txBody>
       </p:sp>
@@ -1746,7 +1729,7 @@
           <a:p>
             <a:fld id="{513F8C17-1AD3-453B-90A8-31E7DAAD0F81}" type="datetimeFigureOut">
               <a:rPr lang="en-US" smtClean="0"/>
-              <a:t>1/11/2017</a:t>
+              <a:t>1/17/2019</a:t>
             </a:fld>
             <a:endParaRPr lang="en-US"/>
           </a:p>
@@ -1841,7 +1824,7 @@
           <a:p>
             <a:fld id="{513F8C17-1AD3-453B-90A8-31E7DAAD0F81}" type="datetimeFigureOut">
               <a:rPr lang="en-US" smtClean="0"/>
-              <a:t>1/11/2017</a:t>
+              <a:t>1/17/2019</a:t>
             </a:fld>
             <a:endParaRPr lang="en-US"/>
           </a:p>
@@ -1944,10 +1927,9 @@
           </a:lstStyle>
           <a:p>
             <a:r>
-              <a:rPr lang="en-US" smtClean="0"/>
+              <a:rPr lang="en-US"/>
               <a:t>Click to edit Master title style</a:t>
             </a:r>
-            <a:endParaRPr lang="en-US"/>
           </a:p>
         </p:txBody>
       </p:sp>
@@ -2001,38 +1983,37 @@
           <a:p>
             <a:pPr lvl="0"/>
             <a:r>
-              <a:rPr lang="en-US" smtClean="0"/>
+              <a:rPr lang="en-US"/>
               <a:t>Click to edit Master text styles</a:t>
             </a:r>
           </a:p>
           <a:p>
             <a:pPr lvl="1"/>
             <a:r>
-              <a:rPr lang="en-US" smtClean="0"/>
+              <a:rPr lang="en-US"/>
               <a:t>Second level</a:t>
             </a:r>
           </a:p>
           <a:p>
             <a:pPr lvl="2"/>
             <a:r>
-              <a:rPr lang="en-US" smtClean="0"/>
+              <a:rPr lang="en-US"/>
               <a:t>Third level</a:t>
             </a:r>
           </a:p>
           <a:p>
             <a:pPr lvl="3"/>
             <a:r>
-              <a:rPr lang="en-US" smtClean="0"/>
+              <a:rPr lang="en-US"/>
               <a:t>Fourth level</a:t>
             </a:r>
           </a:p>
           <a:p>
             <a:pPr lvl="4"/>
             <a:r>
-              <a:rPr lang="en-US" smtClean="0"/>
+              <a:rPr lang="en-US"/>
               <a:t>Fifth level</a:t>
             </a:r>
-            <a:endParaRPr lang="en-US"/>
           </a:p>
         </p:txBody>
       </p:sp>
@@ -2095,7 +2076,7 @@
           <a:p>
             <a:pPr lvl="0"/>
             <a:r>
-              <a:rPr lang="en-US" smtClean="0"/>
+              <a:rPr lang="en-US"/>
               <a:t>Click to edit Master text styles</a:t>
             </a:r>
           </a:p>
@@ -2118,7 +2099,7 @@
           <a:p>
             <a:fld id="{513F8C17-1AD3-453B-90A8-31E7DAAD0F81}" type="datetimeFigureOut">
               <a:rPr lang="en-US" smtClean="0"/>
-              <a:t>1/11/2017</a:t>
+              <a:t>1/17/2019</a:t>
             </a:fld>
             <a:endParaRPr lang="en-US"/>
           </a:p>
@@ -2221,10 +2202,9 @@
           </a:lstStyle>
           <a:p>
             <a:r>
-              <a:rPr lang="en-US" smtClean="0"/>
+              <a:rPr lang="en-US"/>
               <a:t>Click to edit Master title style</a:t>
             </a:r>
-            <a:endParaRPr lang="en-US"/>
           </a:p>
         </p:txBody>
       </p:sp>
@@ -2348,7 +2328,7 @@
           <a:p>
             <a:pPr lvl="0"/>
             <a:r>
-              <a:rPr lang="en-US" smtClean="0"/>
+              <a:rPr lang="en-US"/>
               <a:t>Click to edit Master text styles</a:t>
             </a:r>
           </a:p>
@@ -2371,7 +2351,7 @@
           <a:p>
             <a:fld id="{513F8C17-1AD3-453B-90A8-31E7DAAD0F81}" type="datetimeFigureOut">
               <a:rPr lang="en-US" smtClean="0"/>
-              <a:t>1/11/2017</a:t>
+              <a:t>1/17/2019</a:t>
             </a:fld>
             <a:endParaRPr lang="en-US"/>
           </a:p>
@@ -2480,10 +2460,9 @@
           <a:lstStyle/>
           <a:p>
             <a:r>
-              <a:rPr lang="en-US" smtClean="0"/>
+              <a:rPr lang="en-US"/>
               <a:t>Click to edit Master title style</a:t>
             </a:r>
-            <a:endParaRPr lang="en-US"/>
           </a:p>
         </p:txBody>
       </p:sp>
@@ -2514,38 +2493,37 @@
           <a:p>
             <a:pPr lvl="0"/>
             <a:r>
-              <a:rPr lang="en-US" smtClean="0"/>
+              <a:rPr lang="en-US"/>
               <a:t>Click to edit Master text styles</a:t>
             </a:r>
           </a:p>
           <a:p>
             <a:pPr lvl="1"/>
             <a:r>
-              <a:rPr lang="en-US" smtClean="0"/>
+              <a:rPr lang="en-US"/>
               <a:t>Second level</a:t>
             </a:r>
           </a:p>
           <a:p>
             <a:pPr lvl="2"/>
             <a:r>
-              <a:rPr lang="en-US" smtClean="0"/>
+              <a:rPr lang="en-US"/>
               <a:t>Third level</a:t>
             </a:r>
           </a:p>
           <a:p>
             <a:pPr lvl="3"/>
             <a:r>
-              <a:rPr lang="en-US" smtClean="0"/>
+              <a:rPr lang="en-US"/>
               <a:t>Fourth level</a:t>
             </a:r>
           </a:p>
           <a:p>
             <a:pPr lvl="4"/>
             <a:r>
-              <a:rPr lang="en-US" smtClean="0"/>
+              <a:rPr lang="en-US"/>
               <a:t>Fifth level</a:t>
             </a:r>
-            <a:endParaRPr lang="en-US"/>
           </a:p>
         </p:txBody>
       </p:sp>
@@ -2584,7 +2562,7 @@
           <a:p>
             <a:fld id="{513F8C17-1AD3-453B-90A8-31E7DAAD0F81}" type="datetimeFigureOut">
               <a:rPr lang="en-US" smtClean="0"/>
-              <a:t>1/11/2017</a:t>
+              <a:t>1/17/2019</a:t>
             </a:fld>
             <a:endParaRPr lang="en-US"/>
           </a:p>
@@ -3005,15 +2983,15 @@
           <a:lstStyle/>
           <a:p>
             <a:r>
-              <a:rPr lang="en-US" dirty="0" err="1" smtClean="0"/>
+              <a:rPr lang="en-US" dirty="0" err="1"/>
               <a:t>Geoprocessing</a:t>
             </a:r>
             <a:r>
-              <a:rPr lang="en-US" dirty="0" smtClean="0"/>
+              <a:rPr lang="en-US" dirty="0"/>
               <a:t> and </a:t>
             </a:r>
             <a:r>
-              <a:rPr lang="en-US" dirty="0" err="1" smtClean="0"/>
+              <a:rPr lang="en-US" dirty="0" err="1"/>
               <a:t>Arcpy</a:t>
             </a:r>
             <a:endParaRPr lang="en-US" dirty="0"/>
@@ -3036,10 +3014,9 @@
           <a:lstStyle/>
           <a:p>
             <a:r>
-              <a:rPr lang="en-US" dirty="0" smtClean="0"/>
+              <a:rPr lang="en-US" dirty="0"/>
               <a:t>Gregory Brunner</a:t>
             </a:r>
-            <a:endParaRPr lang="en-US" dirty="0"/>
           </a:p>
         </p:txBody>
       </p:sp>
@@ -3089,10 +3066,9 @@
           <a:lstStyle/>
           <a:p>
             <a:r>
-              <a:rPr lang="en-US" dirty="0" smtClean="0"/>
+              <a:rPr lang="en-US" dirty="0"/>
               <a:t>Scripts as Tools</a:t>
             </a:r>
-            <a:endParaRPr lang="en-US" dirty="0"/>
           </a:p>
         </p:txBody>
       </p:sp>
@@ -3191,10 +3167,9 @@
           <a:lstStyle/>
           <a:p>
             <a:r>
-              <a:rPr lang="en-US" dirty="0" smtClean="0"/>
+              <a:rPr lang="en-US" dirty="0"/>
               <a:t>Scripts as Tools</a:t>
             </a:r>
-            <a:endParaRPr lang="en-US" dirty="0"/>
           </a:p>
         </p:txBody>
       </p:sp>
@@ -3297,10 +3272,9 @@
           <a:lstStyle/>
           <a:p>
             <a:r>
-              <a:rPr lang="en-US" dirty="0" smtClean="0"/>
+              <a:rPr lang="en-US" dirty="0"/>
               <a:t>The Python Window</a:t>
             </a:r>
-            <a:endParaRPr lang="en-US" dirty="0"/>
           </a:p>
         </p:txBody>
       </p:sp>
@@ -3369,10 +3343,9 @@
           <a:lstStyle/>
           <a:p>
             <a:r>
-              <a:rPr lang="en-US" dirty="0" smtClean="0"/>
+              <a:rPr lang="en-US" dirty="0"/>
               <a:t>Python Window in ArcMap</a:t>
             </a:r>
-            <a:endParaRPr lang="en-US" dirty="0"/>
           </a:p>
         </p:txBody>
       </p:sp>
@@ -3465,10 +3438,9 @@
           <a:lstStyle/>
           <a:p>
             <a:r>
-              <a:rPr lang="en-US" dirty="0" smtClean="0"/>
+              <a:rPr lang="en-US" dirty="0"/>
               <a:t>Writing Code</a:t>
             </a:r>
-            <a:endParaRPr lang="en-US" dirty="0"/>
           </a:p>
         </p:txBody>
       </p:sp>
@@ -3488,36 +3460,27 @@
           <a:lstStyle/>
           <a:p>
             <a:r>
-              <a:rPr lang="en-US" dirty="0" smtClean="0"/>
-              <a:t>A place for writing Python code in </a:t>
-            </a:r>
-            <a:r>
-              <a:rPr lang="en-US" dirty="0" smtClean="0"/>
-              <a:t>A</a:t>
-            </a:r>
-            <a:r>
-              <a:rPr lang="en-US" dirty="0" smtClean="0"/>
-              <a:t>rcMap</a:t>
-            </a:r>
-          </a:p>
-          <a:p>
-            <a:r>
-              <a:rPr lang="en-US" dirty="0" smtClean="0"/>
+              <a:rPr lang="en-US" dirty="0"/>
+              <a:t>A place for writing Python code in ArcMap</a:t>
+            </a:r>
+          </a:p>
+          <a:p>
+            <a:r>
+              <a:rPr lang="en-US" dirty="0"/>
               <a:t>GP tools accessible through Python Window</a:t>
             </a:r>
           </a:p>
           <a:p>
             <a:r>
-              <a:rPr lang="en-US" dirty="0" smtClean="0"/>
+              <a:rPr lang="en-US" dirty="0"/>
               <a:t>Code completion in Python Window!</a:t>
             </a:r>
           </a:p>
           <a:p>
             <a:r>
-              <a:rPr lang="en-US" dirty="0" smtClean="0"/>
+              <a:rPr lang="en-US" dirty="0"/>
               <a:t>Any standard modules should be accessible</a:t>
             </a:r>
-            <a:endParaRPr lang="en-US" dirty="0"/>
           </a:p>
         </p:txBody>
       </p:sp>
@@ -3591,10 +3554,9 @@
           <a:lstStyle/>
           <a:p>
             <a:r>
-              <a:rPr lang="en-US" dirty="0" smtClean="0"/>
+              <a:rPr lang="en-US" dirty="0"/>
               <a:t>Getting Help</a:t>
             </a:r>
-            <a:endParaRPr lang="en-US" dirty="0"/>
           </a:p>
         </p:txBody>
       </p:sp>
@@ -3614,10 +3576,9 @@
           <a:lstStyle/>
           <a:p>
             <a:r>
-              <a:rPr lang="en-US" dirty="0" smtClean="0"/>
+              <a:rPr lang="en-US" dirty="0"/>
               <a:t>Code completion</a:t>
             </a:r>
-            <a:endParaRPr lang="en-US" dirty="0"/>
           </a:p>
         </p:txBody>
       </p:sp>
@@ -3691,14 +3652,9 @@
           <a:lstStyle/>
           <a:p>
             <a:r>
-              <a:rPr lang="en-US" dirty="0" smtClean="0"/>
-              <a:t>Getting </a:t>
-            </a:r>
-            <a:r>
-              <a:rPr lang="en-US" dirty="0" smtClean="0"/>
-              <a:t>Assistance</a:t>
-            </a:r>
-            <a:endParaRPr lang="en-US" dirty="0"/>
+              <a:rPr lang="en-US" dirty="0"/>
+              <a:t>Getting Assistance</a:t>
+            </a:r>
           </a:p>
         </p:txBody>
       </p:sp>
@@ -3718,10 +3674,9 @@
           <a:lstStyle/>
           <a:p>
             <a:r>
-              <a:rPr lang="en-US" dirty="0" smtClean="0"/>
+              <a:rPr lang="en-US" dirty="0"/>
               <a:t>F1</a:t>
             </a:r>
-            <a:endParaRPr lang="en-US" dirty="0"/>
           </a:p>
         </p:txBody>
       </p:sp>
@@ -3795,14 +3750,9 @@
           <a:lstStyle/>
           <a:p>
             <a:r>
-              <a:rPr lang="en-US" dirty="0" smtClean="0"/>
-              <a:t>Getting </a:t>
-            </a:r>
-            <a:r>
-              <a:rPr lang="en-US" dirty="0" smtClean="0"/>
-              <a:t>Assistance</a:t>
-            </a:r>
-            <a:endParaRPr lang="en-US" dirty="0"/>
+              <a:rPr lang="en-US" dirty="0"/>
+              <a:t>Getting Assistance</a:t>
+            </a:r>
           </a:p>
         </p:txBody>
       </p:sp>
@@ -3822,10 +3772,9 @@
           <a:lstStyle/>
           <a:p>
             <a:r>
-              <a:rPr lang="en-US" dirty="0" smtClean="0"/>
+              <a:rPr lang="en-US" dirty="0"/>
               <a:t>F2 – Checks for syntax errors</a:t>
             </a:r>
-            <a:endParaRPr lang="en-US" dirty="0"/>
           </a:p>
         </p:txBody>
       </p:sp>
@@ -3899,18 +3848,9 @@
           <a:lstStyle/>
           <a:p>
             <a:r>
-              <a:rPr lang="en-US" dirty="0" smtClean="0"/>
-              <a:t>Saving </a:t>
-            </a:r>
-            <a:r>
               <a:rPr lang="en-US" dirty="0"/>
-              <a:t>Y</a:t>
-            </a:r>
-            <a:r>
-              <a:rPr lang="en-US" dirty="0" smtClean="0"/>
-              <a:t>our Session</a:t>
-            </a:r>
-            <a:endParaRPr lang="en-US" dirty="0"/>
+              <a:t>Saving Your Session</a:t>
+            </a:r>
           </a:p>
         </p:txBody>
       </p:sp>
@@ -4003,10 +3943,9 @@
           <a:lstStyle/>
           <a:p>
             <a:r>
-              <a:rPr lang="en-US" dirty="0" smtClean="0"/>
+              <a:rPr lang="en-US" dirty="0"/>
               <a:t>Loading Code</a:t>
             </a:r>
-            <a:endParaRPr lang="en-US" dirty="0"/>
           </a:p>
         </p:txBody>
       </p:sp>
@@ -4026,10 +3965,9 @@
           <a:lstStyle/>
           <a:p>
             <a:r>
-              <a:rPr lang="en-US" dirty="0" smtClean="0"/>
+              <a:rPr lang="en-US" dirty="0"/>
               <a:t>You can also load and run scripts through the Python Window</a:t>
             </a:r>
-            <a:endParaRPr lang="en-US" dirty="0"/>
           </a:p>
         </p:txBody>
       </p:sp>
@@ -4103,7 +4041,7 @@
           <a:lstStyle/>
           <a:p>
             <a:r>
-              <a:rPr lang="en-US" dirty="0" err="1" smtClean="0"/>
+              <a:rPr lang="en-US" dirty="0" err="1"/>
               <a:t>Geoprocessing</a:t>
             </a:r>
             <a:endParaRPr lang="en-US" dirty="0"/>
@@ -4161,7 +4099,7 @@
       </p:grpSpPr>
       <p:sp>
         <p:nvSpPr>
-          <p:cNvPr id="2" name="Title 1"/>
+          <p:cNvPr id="4" name="Title 3"/>
           <p:cNvSpPr>
             <a:spLocks noGrp="1"/>
           </p:cNvSpPr>
@@ -4175,92 +4113,9 @@
           <a:lstStyle/>
           <a:p>
             <a:r>
-              <a:rPr lang="en-US" dirty="0" smtClean="0"/>
-              <a:t>All of this to say…</a:t>
-            </a:r>
-            <a:endParaRPr lang="en-US" dirty="0"/>
-          </a:p>
-        </p:txBody>
-      </p:sp>
-      <p:sp>
-        <p:nvSpPr>
-          <p:cNvPr id="3" name="Content Placeholder 2"/>
-          <p:cNvSpPr>
-            <a:spLocks noGrp="1"/>
-          </p:cNvSpPr>
-          <p:nvPr>
-            <p:ph idx="1"/>
-          </p:nvPr>
-        </p:nvSpPr>
-        <p:spPr/>
-        <p:txBody>
-          <a:bodyPr/>
-          <a:lstStyle/>
-          <a:p>
-            <a:r>
-              <a:rPr lang="en-US" dirty="0" smtClean="0"/>
-              <a:t>You probably won’t use the Python Window too much </a:t>
-            </a:r>
-            <a:r>
-              <a:rPr lang="en-US" dirty="0" smtClean="0">
-                <a:sym typeface="Wingdings" panose="05000000000000000000" pitchFamily="2" charset="2"/>
-              </a:rPr>
-              <a:t></a:t>
-            </a:r>
-            <a:endParaRPr lang="en-US" dirty="0"/>
-          </a:p>
-        </p:txBody>
-      </p:sp>
-    </p:spTree>
-    <p:extLst>
-      <p:ext uri="{BB962C8B-B14F-4D97-AF65-F5344CB8AC3E}">
-        <p14:creationId xmlns:p14="http://schemas.microsoft.com/office/powerpoint/2010/main" val="4007216660"/>
-      </p:ext>
-    </p:extLst>
-  </p:cSld>
-  <p:clrMapOvr>
-    <a:masterClrMapping/>
-  </p:clrMapOvr>
-</p:sld>
-</file>
-
-<file path=ppt/slides/slide21.xml><?xml version="1.0" encoding="utf-8"?>
-<p:sld xmlns:a="http://schemas.openxmlformats.org/drawingml/2006/main" xmlns:r="http://schemas.openxmlformats.org/officeDocument/2006/relationships" xmlns:p="http://schemas.openxmlformats.org/presentationml/2006/main">
-  <p:cSld>
-    <p:spTree>
-      <p:nvGrpSpPr>
-        <p:cNvPr id="1" name=""/>
-        <p:cNvGrpSpPr/>
-        <p:nvPr/>
-      </p:nvGrpSpPr>
-      <p:grpSpPr>
-        <a:xfrm>
-          <a:off x="0" y="0"/>
-          <a:ext cx="0" cy="0"/>
-          <a:chOff x="0" y="0"/>
-          <a:chExt cx="0" cy="0"/>
-        </a:xfrm>
-      </p:grpSpPr>
-      <p:sp>
-        <p:nvSpPr>
-          <p:cNvPr id="4" name="Title 3"/>
-          <p:cNvSpPr>
-            <a:spLocks noGrp="1"/>
-          </p:cNvSpPr>
-          <p:nvPr>
-            <p:ph type="title"/>
-          </p:nvPr>
-        </p:nvSpPr>
-        <p:spPr/>
-        <p:txBody>
-          <a:bodyPr/>
-          <a:lstStyle/>
-          <a:p>
-            <a:r>
-              <a:rPr lang="en-US" dirty="0" smtClean="0"/>
+              <a:rPr lang="en-US" dirty="0"/>
               <a:t>Let’s Launch Into the Python Window!</a:t>
             </a:r>
-            <a:endParaRPr lang="en-US" dirty="0"/>
           </a:p>
         </p:txBody>
       </p:sp>
@@ -4329,11 +4184,11 @@
           <a:lstStyle/>
           <a:p>
             <a:r>
-              <a:rPr lang="en-US" dirty="0" smtClean="0"/>
+              <a:rPr lang="en-US" dirty="0"/>
               <a:t>What is </a:t>
             </a:r>
             <a:r>
-              <a:rPr lang="en-US" dirty="0" err="1" smtClean="0"/>
+              <a:rPr lang="en-US" dirty="0" err="1"/>
               <a:t>Geoprocessing</a:t>
             </a:r>
             <a:endParaRPr lang="en-US" dirty="0"/>
@@ -4356,28 +4211,27 @@
           <a:lstStyle/>
           <a:p>
             <a:r>
-              <a:rPr lang="en-US" dirty="0" smtClean="0"/>
+              <a:rPr lang="en-US" dirty="0"/>
               <a:t>Spatial analysis</a:t>
             </a:r>
           </a:p>
           <a:p>
-            <a:endParaRPr lang="en-US" dirty="0" smtClean="0"/>
-          </a:p>
-          <a:p>
-            <a:r>
-              <a:rPr lang="en-US" dirty="0" smtClean="0"/>
+            <a:endParaRPr lang="en-US" dirty="0"/>
+          </a:p>
+          <a:p>
+            <a:r>
+              <a:rPr lang="en-US" dirty="0"/>
               <a:t>Data modeling</a:t>
             </a:r>
           </a:p>
           <a:p>
-            <a:endParaRPr lang="en-US" dirty="0" smtClean="0"/>
-          </a:p>
-          <a:p>
-            <a:r>
-              <a:rPr lang="en-US" dirty="0" smtClean="0"/>
+            <a:endParaRPr lang="en-US" dirty="0"/>
+          </a:p>
+          <a:p>
+            <a:r>
+              <a:rPr lang="en-US" dirty="0"/>
               <a:t>Task automation</a:t>
             </a:r>
-            <a:endParaRPr lang="en-US" dirty="0"/>
           </a:p>
         </p:txBody>
       </p:sp>
@@ -4451,10 +4305,9 @@
           <a:lstStyle/>
           <a:p>
             <a:r>
-              <a:rPr lang="en-US" dirty="0" smtClean="0"/>
+              <a:rPr lang="en-US" dirty="0"/>
               <a:t>Toolboxes and Tools</a:t>
             </a:r>
-            <a:endParaRPr lang="en-US" dirty="0"/>
           </a:p>
         </p:txBody>
       </p:sp>
@@ -4547,10 +4400,9 @@
           <a:lstStyle/>
           <a:p>
             <a:r>
-              <a:rPr lang="en-US" dirty="0" smtClean="0"/>
+              <a:rPr lang="en-US" dirty="0"/>
               <a:t>Toolboxes and Tools</a:t>
             </a:r>
-            <a:endParaRPr lang="en-US" dirty="0"/>
           </a:p>
         </p:txBody>
       </p:sp>
@@ -4575,10 +4427,9 @@
           <a:lstStyle/>
           <a:p>
             <a:r>
-              <a:rPr lang="en-US" dirty="0" smtClean="0"/>
+              <a:rPr lang="en-US" dirty="0"/>
               <a:t>Search – Still the easiest way to find the tool you want.</a:t>
             </a:r>
-            <a:endParaRPr lang="en-US" dirty="0"/>
           </a:p>
         </p:txBody>
       </p:sp>
@@ -4652,10 +4503,9 @@
           <a:lstStyle/>
           <a:p>
             <a:r>
-              <a:rPr lang="en-US" dirty="0" smtClean="0"/>
+              <a:rPr lang="en-US" dirty="0"/>
               <a:t>Example - Clip</a:t>
             </a:r>
-            <a:endParaRPr lang="en-US" dirty="0"/>
           </a:p>
         </p:txBody>
       </p:sp>
@@ -4748,10 +4598,9 @@
           <a:lstStyle/>
           <a:p>
             <a:r>
-              <a:rPr lang="en-US" dirty="0" smtClean="0"/>
+              <a:rPr lang="en-US" dirty="0"/>
               <a:t>Tool Help</a:t>
             </a:r>
-            <a:endParaRPr lang="en-US" dirty="0"/>
           </a:p>
         </p:txBody>
       </p:sp>
@@ -4776,10 +4625,9 @@
           <a:lstStyle/>
           <a:p>
             <a:r>
-              <a:rPr lang="en-US" dirty="0" smtClean="0"/>
+              <a:rPr lang="en-US" dirty="0"/>
               <a:t>Notice the Python snippets at the bottom</a:t>
             </a:r>
-            <a:endParaRPr lang="en-US" dirty="0"/>
           </a:p>
         </p:txBody>
       </p:sp>
@@ -4853,10 +4701,9 @@
           <a:lstStyle/>
           <a:p>
             <a:r>
-              <a:rPr lang="en-US" dirty="0" smtClean="0"/>
+              <a:rPr lang="en-US" dirty="0"/>
               <a:t>Environment Settings</a:t>
             </a:r>
-            <a:endParaRPr lang="en-US" dirty="0"/>
           </a:p>
         </p:txBody>
       </p:sp>
@@ -4949,11 +4796,11 @@
           <a:lstStyle/>
           <a:p>
             <a:r>
-              <a:rPr lang="en-US" dirty="0" smtClean="0"/>
+              <a:rPr lang="en-US" dirty="0"/>
               <a:t>Models and </a:t>
             </a:r>
             <a:r>
-              <a:rPr lang="en-US" dirty="0" err="1" smtClean="0"/>
+              <a:rPr lang="en-US" dirty="0" err="1"/>
               <a:t>ModelBuilder</a:t>
             </a:r>
             <a:endParaRPr lang="en-US" dirty="0"/>

--- a/Week 2/Lecture_1_Geoprocessing_and_Python_Window.pptx
+++ b/Week 2/Lecture_1_Geoprocessing_and_Python_Window.pptx
@@ -21,10 +21,9 @@
     <p:sldId id="267" r:id="rId15"/>
     <p:sldId id="268" r:id="rId16"/>
     <p:sldId id="273" r:id="rId17"/>
-    <p:sldId id="274" r:id="rId18"/>
-    <p:sldId id="275" r:id="rId19"/>
-    <p:sldId id="276" r:id="rId20"/>
-    <p:sldId id="269" r:id="rId21"/>
+    <p:sldId id="275" r:id="rId18"/>
+    <p:sldId id="276" r:id="rId19"/>
+    <p:sldId id="269" r:id="rId20"/>
   </p:sldIdLst>
   <p:sldSz cx="12192000" cy="6858000"/>
   <p:notesSz cx="6858000" cy="9144000"/>
@@ -260,7 +259,7 @@
           <a:p>
             <a:fld id="{513F8C17-1AD3-453B-90A8-31E7DAAD0F81}" type="datetimeFigureOut">
               <a:rPr lang="en-US" smtClean="0"/>
-              <a:t>1/17/2019</a:t>
+              <a:t>1/20/2020</a:t>
             </a:fld>
             <a:endParaRPr lang="en-US"/>
           </a:p>
@@ -428,7 +427,7 @@
           <a:p>
             <a:fld id="{513F8C17-1AD3-453B-90A8-31E7DAAD0F81}" type="datetimeFigureOut">
               <a:rPr lang="en-US" smtClean="0"/>
-              <a:t>1/17/2019</a:t>
+              <a:t>1/20/2020</a:t>
             </a:fld>
             <a:endParaRPr lang="en-US"/>
           </a:p>
@@ -606,7 +605,7 @@
           <a:p>
             <a:fld id="{513F8C17-1AD3-453B-90A8-31E7DAAD0F81}" type="datetimeFigureOut">
               <a:rPr lang="en-US" smtClean="0"/>
-              <a:t>1/17/2019</a:t>
+              <a:t>1/20/2020</a:t>
             </a:fld>
             <a:endParaRPr lang="en-US"/>
           </a:p>
@@ -774,7 +773,7 @@
           <a:p>
             <a:fld id="{513F8C17-1AD3-453B-90A8-31E7DAAD0F81}" type="datetimeFigureOut">
               <a:rPr lang="en-US" smtClean="0"/>
-              <a:t>1/17/2019</a:t>
+              <a:t>1/20/2020</a:t>
             </a:fld>
             <a:endParaRPr lang="en-US"/>
           </a:p>
@@ -1019,7 +1018,7 @@
           <a:p>
             <a:fld id="{513F8C17-1AD3-453B-90A8-31E7DAAD0F81}" type="datetimeFigureOut">
               <a:rPr lang="en-US" smtClean="0"/>
-              <a:t>1/17/2019</a:t>
+              <a:t>1/20/2020</a:t>
             </a:fld>
             <a:endParaRPr lang="en-US"/>
           </a:p>
@@ -1248,7 +1247,7 @@
           <a:p>
             <a:fld id="{513F8C17-1AD3-453B-90A8-31E7DAAD0F81}" type="datetimeFigureOut">
               <a:rPr lang="en-US" smtClean="0"/>
-              <a:t>1/17/2019</a:t>
+              <a:t>1/20/2020</a:t>
             </a:fld>
             <a:endParaRPr lang="en-US"/>
           </a:p>
@@ -1612,7 +1611,7 @@
           <a:p>
             <a:fld id="{513F8C17-1AD3-453B-90A8-31E7DAAD0F81}" type="datetimeFigureOut">
               <a:rPr lang="en-US" smtClean="0"/>
-              <a:t>1/17/2019</a:t>
+              <a:t>1/20/2020</a:t>
             </a:fld>
             <a:endParaRPr lang="en-US"/>
           </a:p>
@@ -1729,7 +1728,7 @@
           <a:p>
             <a:fld id="{513F8C17-1AD3-453B-90A8-31E7DAAD0F81}" type="datetimeFigureOut">
               <a:rPr lang="en-US" smtClean="0"/>
-              <a:t>1/17/2019</a:t>
+              <a:t>1/20/2020</a:t>
             </a:fld>
             <a:endParaRPr lang="en-US"/>
           </a:p>
@@ -1824,7 +1823,7 @@
           <a:p>
             <a:fld id="{513F8C17-1AD3-453B-90A8-31E7DAAD0F81}" type="datetimeFigureOut">
               <a:rPr lang="en-US" smtClean="0"/>
-              <a:t>1/17/2019</a:t>
+              <a:t>1/20/2020</a:t>
             </a:fld>
             <a:endParaRPr lang="en-US"/>
           </a:p>
@@ -2099,7 +2098,7 @@
           <a:p>
             <a:fld id="{513F8C17-1AD3-453B-90A8-31E7DAAD0F81}" type="datetimeFigureOut">
               <a:rPr lang="en-US" smtClean="0"/>
-              <a:t>1/17/2019</a:t>
+              <a:t>1/20/2020</a:t>
             </a:fld>
             <a:endParaRPr lang="en-US"/>
           </a:p>
@@ -2351,7 +2350,7 @@
           <a:p>
             <a:fld id="{513F8C17-1AD3-453B-90A8-31E7DAAD0F81}" type="datetimeFigureOut">
               <a:rPr lang="en-US" smtClean="0"/>
-              <a:t>1/17/2019</a:t>
+              <a:t>1/20/2020</a:t>
             </a:fld>
             <a:endParaRPr lang="en-US"/>
           </a:p>
@@ -2562,7 +2561,7 @@
           <a:p>
             <a:fld id="{513F8C17-1AD3-453B-90A8-31E7DAAD0F81}" type="datetimeFigureOut">
               <a:rPr lang="en-US" smtClean="0"/>
-              <a:t>1/17/2019</a:t>
+              <a:t>1/20/2020</a:t>
             </a:fld>
             <a:endParaRPr lang="en-US"/>
           </a:p>
@@ -3344,37 +3343,26 @@
           <a:p>
             <a:r>
               <a:rPr lang="en-US" dirty="0"/>
-              <a:t>Python Window in ArcMap</a:t>
-            </a:r>
-          </a:p>
-        </p:txBody>
-      </p:sp>
-      <p:sp>
-        <p:nvSpPr>
-          <p:cNvPr id="5" name="Content Placeholder 4"/>
-          <p:cNvSpPr>
-            <a:spLocks noGrp="1"/>
-          </p:cNvSpPr>
-          <p:nvPr>
-            <p:ph idx="1"/>
-          </p:nvPr>
-        </p:nvSpPr>
-        <p:spPr/>
-        <p:txBody>
-          <a:bodyPr/>
-          <a:lstStyle/>
-          <a:p>
-            <a:endParaRPr lang="en-US"/>
+              <a:t>Python Window in ArcGIS Pro</a:t>
+            </a:r>
           </a:p>
         </p:txBody>
       </p:sp>
       <p:pic>
         <p:nvPicPr>
-          <p:cNvPr id="2" name="Picture 1"/>
+          <p:cNvPr id="3" name="Content Placeholder 2">
+            <a:extLst>
+              <a:ext uri="{FF2B5EF4-FFF2-40B4-BE49-F238E27FC236}">
+                <a16:creationId xmlns:a16="http://schemas.microsoft.com/office/drawing/2014/main" id="{BD636D81-1C28-4683-BEE9-6D896F055C31}"/>
+              </a:ext>
+            </a:extLst>
+          </p:cNvPr>
           <p:cNvPicPr>
-            <a:picLocks noChangeAspect="1"/>
+            <a:picLocks noGrp="1" noChangeAspect="1"/>
           </p:cNvPicPr>
-          <p:nvPr/>
+          <p:nvPr>
+            <p:ph idx="1"/>
+          </p:nvPr>
         </p:nvPicPr>
         <p:blipFill>
           <a:blip r:embed="rId2"/>
@@ -3384,8 +3372,8 @@
         </p:blipFill>
         <p:spPr>
           <a:xfrm>
-            <a:off x="1162602" y="1307928"/>
-            <a:ext cx="9866795" cy="5550072"/>
+            <a:off x="1576387" y="2743994"/>
+            <a:ext cx="9039225" cy="2514600"/>
           </a:xfrm>
           <a:prstGeom prst="rect">
             <a:avLst/>
@@ -3486,7 +3474,13 @@
       </p:sp>
       <p:pic>
         <p:nvPicPr>
-          <p:cNvPr id="4" name="Picture 3"/>
+          <p:cNvPr id="5" name="Picture 4">
+            <a:extLst>
+              <a:ext uri="{FF2B5EF4-FFF2-40B4-BE49-F238E27FC236}">
+                <a16:creationId xmlns:a16="http://schemas.microsoft.com/office/drawing/2014/main" id="{0C221A0A-E79F-4F83-8D7F-F20B6B3EF356}"/>
+              </a:ext>
+            </a:extLst>
+          </p:cNvPr>
           <p:cNvPicPr>
             <a:picLocks noChangeAspect="1"/>
           </p:cNvPicPr>
@@ -3500,8 +3494,8 @@
         </p:blipFill>
         <p:spPr>
           <a:xfrm>
-            <a:off x="504825" y="3986213"/>
-            <a:ext cx="11182350" cy="2190750"/>
+            <a:off x="1459655" y="3797300"/>
+            <a:ext cx="9039225" cy="2514600"/>
           </a:xfrm>
           <a:prstGeom prst="rect">
             <a:avLst/>
@@ -3584,7 +3578,13 @@
       </p:sp>
       <p:pic>
         <p:nvPicPr>
-          <p:cNvPr id="4" name="Picture 3"/>
+          <p:cNvPr id="6" name="Picture 5">
+            <a:extLst>
+              <a:ext uri="{FF2B5EF4-FFF2-40B4-BE49-F238E27FC236}">
+                <a16:creationId xmlns:a16="http://schemas.microsoft.com/office/drawing/2014/main" id="{00C0D19B-5FAE-40EB-9A65-C0C53B0B2C27}"/>
+              </a:ext>
+            </a:extLst>
+          </p:cNvPr>
           <p:cNvPicPr>
             <a:picLocks noChangeAspect="1"/>
           </p:cNvPicPr>
@@ -3598,8 +3598,8 @@
         </p:blipFill>
         <p:spPr>
           <a:xfrm>
-            <a:off x="2024062" y="2536825"/>
-            <a:ext cx="8143875" cy="2190750"/>
+            <a:off x="1712574" y="2743994"/>
+            <a:ext cx="9039225" cy="2514600"/>
           </a:xfrm>
           <a:prstGeom prst="rect">
             <a:avLst/>
@@ -3658,35 +3658,21 @@
           </a:p>
         </p:txBody>
       </p:sp>
-      <p:sp>
-        <p:nvSpPr>
-          <p:cNvPr id="3" name="Content Placeholder 2"/>
-          <p:cNvSpPr>
-            <a:spLocks noGrp="1"/>
-          </p:cNvSpPr>
-          <p:nvPr>
-            <p:ph idx="1"/>
-          </p:nvPr>
-        </p:nvSpPr>
-        <p:spPr/>
-        <p:txBody>
-          <a:bodyPr/>
-          <a:lstStyle/>
-          <a:p>
-            <a:r>
-              <a:rPr lang="en-US" dirty="0"/>
-              <a:t>F1</a:t>
-            </a:r>
-          </a:p>
-        </p:txBody>
-      </p:sp>
       <p:pic>
         <p:nvPicPr>
-          <p:cNvPr id="5" name="Picture 4"/>
+          <p:cNvPr id="8" name="Content Placeholder 7">
+            <a:extLst>
+              <a:ext uri="{FF2B5EF4-FFF2-40B4-BE49-F238E27FC236}">
+                <a16:creationId xmlns:a16="http://schemas.microsoft.com/office/drawing/2014/main" id="{88BB18AA-AFEA-43DE-8D0D-0AE95F554775}"/>
+              </a:ext>
+            </a:extLst>
+          </p:cNvPr>
           <p:cNvPicPr>
-            <a:picLocks noChangeAspect="1"/>
+            <a:picLocks noGrp="1" noChangeAspect="1"/>
           </p:cNvPicPr>
-          <p:nvPr/>
+          <p:nvPr>
+            <p:ph idx="1"/>
+          </p:nvPr>
         </p:nvPicPr>
         <p:blipFill>
           <a:blip r:embed="rId2"/>
@@ -3696,8 +3682,8 @@
         </p:blipFill>
         <p:spPr>
           <a:xfrm>
-            <a:off x="2024062" y="2333625"/>
-            <a:ext cx="8143875" cy="2190750"/>
+            <a:off x="1882306" y="1825625"/>
+            <a:ext cx="8427387" cy="4351338"/>
           </a:xfrm>
           <a:prstGeom prst="rect">
             <a:avLst/>
@@ -3751,40 +3737,26 @@
           <a:p>
             <a:r>
               <a:rPr lang="en-US" dirty="0"/>
-              <a:t>Getting Assistance</a:t>
-            </a:r>
-          </a:p>
-        </p:txBody>
-      </p:sp>
-      <p:sp>
-        <p:nvSpPr>
-          <p:cNvPr id="3" name="Content Placeholder 2"/>
-          <p:cNvSpPr>
-            <a:spLocks noGrp="1"/>
-          </p:cNvSpPr>
-          <p:nvPr>
-            <p:ph idx="1"/>
-          </p:nvPr>
-        </p:nvSpPr>
-        <p:spPr/>
-        <p:txBody>
-          <a:bodyPr/>
-          <a:lstStyle/>
-          <a:p>
-            <a:r>
-              <a:rPr lang="en-US" dirty="0"/>
-              <a:t>F2 – Checks for syntax errors</a:t>
+              <a:t>Saving Your Session</a:t>
             </a:r>
           </a:p>
         </p:txBody>
       </p:sp>
       <p:pic>
         <p:nvPicPr>
-          <p:cNvPr id="4" name="Picture 3"/>
+          <p:cNvPr id="6" name="Content Placeholder 5">
+            <a:extLst>
+              <a:ext uri="{FF2B5EF4-FFF2-40B4-BE49-F238E27FC236}">
+                <a16:creationId xmlns:a16="http://schemas.microsoft.com/office/drawing/2014/main" id="{FE00D094-A6CA-45E7-8370-EF250950B08F}"/>
+              </a:ext>
+            </a:extLst>
+          </p:cNvPr>
           <p:cNvPicPr>
-            <a:picLocks noChangeAspect="1"/>
+            <a:picLocks noGrp="1" noChangeAspect="1"/>
           </p:cNvPicPr>
-          <p:nvPr/>
+          <p:nvPr>
+            <p:ph idx="1"/>
+          </p:nvPr>
         </p:nvPicPr>
         <p:blipFill>
           <a:blip r:embed="rId2"/>
@@ -3794,8 +3766,8 @@
         </p:blipFill>
         <p:spPr>
           <a:xfrm>
-            <a:off x="2024062" y="2333625"/>
-            <a:ext cx="8143875" cy="2190750"/>
+            <a:off x="1245140" y="1272685"/>
+            <a:ext cx="10184860" cy="5728984"/>
           </a:xfrm>
           <a:prstGeom prst="rect">
             <a:avLst/>
@@ -3805,7 +3777,7 @@
     </p:spTree>
     <p:extLst>
       <p:ext uri="{BB962C8B-B14F-4D97-AF65-F5344CB8AC3E}">
-        <p14:creationId xmlns:p14="http://schemas.microsoft.com/office/powerpoint/2010/main" val="618004476"/>
+        <p14:creationId xmlns:p14="http://schemas.microsoft.com/office/powerpoint/2010/main" val="2454711553"/>
       </p:ext>
     </p:extLst>
   </p:cSld>
@@ -3849,7 +3821,7 @@
           <a:p>
             <a:r>
               <a:rPr lang="en-US" dirty="0"/>
-              <a:t>Saving Your Session</a:t>
+              <a:t>Loading Code</a:t>
             </a:r>
           </a:p>
         </p:txBody>
@@ -3869,13 +3841,22 @@
           <a:bodyPr/>
           <a:lstStyle/>
           <a:p>
-            <a:endParaRPr lang="en-US"/>
+            <a:r>
+              <a:rPr lang="en-US" dirty="0"/>
+              <a:t>You can also load and run scripts through the Python Window</a:t>
+            </a:r>
           </a:p>
         </p:txBody>
       </p:sp>
       <p:pic>
         <p:nvPicPr>
-          <p:cNvPr id="4" name="Picture 3"/>
+          <p:cNvPr id="5" name="Picture 4">
+            <a:extLst>
+              <a:ext uri="{FF2B5EF4-FFF2-40B4-BE49-F238E27FC236}">
+                <a16:creationId xmlns:a16="http://schemas.microsoft.com/office/drawing/2014/main" id="{27D3CC24-304F-49A6-AFD8-BF5DC1785CD3}"/>
+              </a:ext>
+            </a:extLst>
+          </p:cNvPr>
           <p:cNvPicPr>
             <a:picLocks noChangeAspect="1"/>
           </p:cNvPicPr>
@@ -3889,8 +3870,8 @@
         </p:blipFill>
         <p:spPr>
           <a:xfrm>
-            <a:off x="1232453" y="1690688"/>
-            <a:ext cx="9356034" cy="5262769"/>
+            <a:off x="1780161" y="2302450"/>
+            <a:ext cx="7921557" cy="4455876"/>
           </a:xfrm>
           <a:prstGeom prst="rect">
             <a:avLst/>
@@ -3900,7 +3881,7 @@
     </p:spTree>
     <p:extLst>
       <p:ext uri="{BB962C8B-B14F-4D97-AF65-F5344CB8AC3E}">
-        <p14:creationId xmlns:p14="http://schemas.microsoft.com/office/powerpoint/2010/main" val="2454711553"/>
+        <p14:creationId xmlns:p14="http://schemas.microsoft.com/office/powerpoint/2010/main" val="3529032421"/>
       </p:ext>
     </p:extLst>
   </p:cSld>
@@ -3929,7 +3910,7 @@
       </p:grpSpPr>
       <p:sp>
         <p:nvSpPr>
-          <p:cNvPr id="2" name="Title 1"/>
+          <p:cNvPr id="4" name="Title 3"/>
           <p:cNvSpPr>
             <a:spLocks noGrp="1"/>
           </p:cNvSpPr>
@@ -3944,61 +3925,34 @@
           <a:p>
             <a:r>
               <a:rPr lang="en-US" dirty="0"/>
-              <a:t>Loading Code</a:t>
-            </a:r>
-          </a:p>
-        </p:txBody>
-      </p:sp>
-      <p:sp>
-        <p:nvSpPr>
-          <p:cNvPr id="3" name="Content Placeholder 2"/>
-          <p:cNvSpPr>
-            <a:spLocks noGrp="1"/>
-          </p:cNvSpPr>
-          <p:nvPr>
-            <p:ph idx="1"/>
-          </p:nvPr>
-        </p:nvSpPr>
-        <p:spPr/>
-        <p:txBody>
-          <a:bodyPr/>
-          <a:lstStyle/>
-          <a:p>
-            <a:r>
-              <a:rPr lang="en-US" dirty="0"/>
-              <a:t>You can also load and run scripts through the Python Window</a:t>
-            </a:r>
-          </a:p>
-        </p:txBody>
-      </p:sp>
-      <p:pic>
-        <p:nvPicPr>
-          <p:cNvPr id="4" name="Picture 3"/>
-          <p:cNvPicPr>
-            <a:picLocks noChangeAspect="1"/>
-          </p:cNvPicPr>
-          <p:nvPr/>
-        </p:nvPicPr>
-        <p:blipFill>
-          <a:blip r:embed="rId2"/>
-          <a:stretch>
-            <a:fillRect/>
-          </a:stretch>
-        </p:blipFill>
-        <p:spPr>
-          <a:xfrm>
-            <a:off x="588802" y="2709360"/>
-            <a:ext cx="11014396" cy="6195598"/>
-          </a:xfrm>
-          <a:prstGeom prst="rect">
-            <a:avLst/>
-          </a:prstGeom>
-        </p:spPr>
-      </p:pic>
+              <a:t>Let’s Launch Into the Python Window!</a:t>
+            </a:r>
+          </a:p>
+        </p:txBody>
+      </p:sp>
+      <p:sp>
+        <p:nvSpPr>
+          <p:cNvPr id="5" name="Text Placeholder 4"/>
+          <p:cNvSpPr>
+            <a:spLocks noGrp="1"/>
+          </p:cNvSpPr>
+          <p:nvPr>
+            <p:ph type="body" idx="1"/>
+          </p:nvPr>
+        </p:nvSpPr>
+        <p:spPr/>
+        <p:txBody>
+          <a:bodyPr/>
+          <a:lstStyle/>
+          <a:p>
+            <a:endParaRPr lang="en-US"/>
+          </a:p>
+        </p:txBody>
+      </p:sp>
     </p:spTree>
     <p:extLst>
       <p:ext uri="{BB962C8B-B14F-4D97-AF65-F5344CB8AC3E}">
-        <p14:creationId xmlns:p14="http://schemas.microsoft.com/office/powerpoint/2010/main" val="3529032421"/>
+        <p14:creationId xmlns:p14="http://schemas.microsoft.com/office/powerpoint/2010/main" val="1510889796"/>
       </p:ext>
     </p:extLst>
   </p:cSld>
@@ -4080,77 +4034,6 @@
 </p:sld>
 </file>
 
-<file path=ppt/slides/slide20.xml><?xml version="1.0" encoding="utf-8"?>
-<p:sld xmlns:a="http://schemas.openxmlformats.org/drawingml/2006/main" xmlns:r="http://schemas.openxmlformats.org/officeDocument/2006/relationships" xmlns:p="http://schemas.openxmlformats.org/presentationml/2006/main">
-  <p:cSld>
-    <p:spTree>
-      <p:nvGrpSpPr>
-        <p:cNvPr id="1" name=""/>
-        <p:cNvGrpSpPr/>
-        <p:nvPr/>
-      </p:nvGrpSpPr>
-      <p:grpSpPr>
-        <a:xfrm>
-          <a:off x="0" y="0"/>
-          <a:ext cx="0" cy="0"/>
-          <a:chOff x="0" y="0"/>
-          <a:chExt cx="0" cy="0"/>
-        </a:xfrm>
-      </p:grpSpPr>
-      <p:sp>
-        <p:nvSpPr>
-          <p:cNvPr id="4" name="Title 3"/>
-          <p:cNvSpPr>
-            <a:spLocks noGrp="1"/>
-          </p:cNvSpPr>
-          <p:nvPr>
-            <p:ph type="title"/>
-          </p:nvPr>
-        </p:nvSpPr>
-        <p:spPr/>
-        <p:txBody>
-          <a:bodyPr/>
-          <a:lstStyle/>
-          <a:p>
-            <a:r>
-              <a:rPr lang="en-US" dirty="0"/>
-              <a:t>Let’s Launch Into the Python Window!</a:t>
-            </a:r>
-          </a:p>
-        </p:txBody>
-      </p:sp>
-      <p:sp>
-        <p:nvSpPr>
-          <p:cNvPr id="5" name="Text Placeholder 4"/>
-          <p:cNvSpPr>
-            <a:spLocks noGrp="1"/>
-          </p:cNvSpPr>
-          <p:nvPr>
-            <p:ph type="body" idx="1"/>
-          </p:nvPr>
-        </p:nvSpPr>
-        <p:spPr/>
-        <p:txBody>
-          <a:bodyPr/>
-          <a:lstStyle/>
-          <a:p>
-            <a:endParaRPr lang="en-US"/>
-          </a:p>
-        </p:txBody>
-      </p:sp>
-    </p:spTree>
-    <p:extLst>
-      <p:ext uri="{BB962C8B-B14F-4D97-AF65-F5344CB8AC3E}">
-        <p14:creationId xmlns:p14="http://schemas.microsoft.com/office/powerpoint/2010/main" val="1510889796"/>
-      </p:ext>
-    </p:extLst>
-  </p:cSld>
-  <p:clrMapOvr>
-    <a:masterClrMapping/>
-  </p:clrMapOvr>
-</p:sld>
-</file>
-
 <file path=ppt/slides/slide3.xml><?xml version="1.0" encoding="utf-8"?>
 <p:sld xmlns:a="http://schemas.openxmlformats.org/drawingml/2006/main" xmlns:r="http://schemas.openxmlformats.org/officeDocument/2006/relationships" xmlns:p="http://schemas.openxmlformats.org/presentationml/2006/main">
   <p:cSld>
@@ -4237,26 +4120,49 @@
       </p:sp>
       <p:pic>
         <p:nvPicPr>
-          <p:cNvPr id="2" name="Picture 1"/>
+          <p:cNvPr id="1026" name="Picture 2" descr="Full model has been run">
+            <a:extLst>
+              <a:ext uri="{FF2B5EF4-FFF2-40B4-BE49-F238E27FC236}">
+                <a16:creationId xmlns:a16="http://schemas.microsoft.com/office/drawing/2014/main" id="{BBE96969-B978-4F6C-B5BA-5B54C83E0403}"/>
+              </a:ext>
+            </a:extLst>
+          </p:cNvPr>
           <p:cNvPicPr>
-            <a:picLocks noChangeAspect="1"/>
+            <a:picLocks noChangeAspect="1" noChangeArrowheads="1"/>
           </p:cNvPicPr>
           <p:nvPr/>
         </p:nvPicPr>
         <p:blipFill>
-          <a:blip r:embed="rId2"/>
+          <a:blip r:embed="rId2">
+            <a:extLst>
+              <a:ext uri="{28A0092B-C50C-407E-A947-70E740481C1C}">
+                <a14:useLocalDpi xmlns:a14="http://schemas.microsoft.com/office/drawing/2010/main" val="0"/>
+              </a:ext>
+            </a:extLst>
+          </a:blip>
+          <a:srcRect/>
           <a:stretch>
             <a:fillRect/>
           </a:stretch>
         </p:blipFill>
-        <p:spPr>
+        <p:spPr bwMode="auto">
           <a:xfrm>
-            <a:off x="4573587" y="1372394"/>
-            <a:ext cx="6981825" cy="5257800"/>
+            <a:off x="5183627" y="2324100"/>
+            <a:ext cx="4762500" cy="2209800"/>
           </a:xfrm>
           <a:prstGeom prst="rect">
             <a:avLst/>
           </a:prstGeom>
+          <a:noFill/>
+          <a:extLst>
+            <a:ext uri="{909E8E84-426E-40DD-AFC4-6F175D3DCCD1}">
+              <a14:hiddenFill xmlns:a14="http://schemas.microsoft.com/office/drawing/2010/main">
+                <a:solidFill>
+                  <a:srgbClr val="FFFFFF"/>
+                </a:solidFill>
+              </a14:hiddenFill>
+            </a:ext>
+          </a:extLst>
         </p:spPr>
       </p:pic>
     </p:spTree>
@@ -4332,7 +4238,13 @@
       </p:sp>
       <p:pic>
         <p:nvPicPr>
-          <p:cNvPr id="4" name="Picture 3"/>
+          <p:cNvPr id="5" name="Picture 4">
+            <a:extLst>
+              <a:ext uri="{FF2B5EF4-FFF2-40B4-BE49-F238E27FC236}">
+                <a16:creationId xmlns:a16="http://schemas.microsoft.com/office/drawing/2014/main" id="{80D31F80-FB18-4C88-A5A6-62D9BE997BD6}"/>
+              </a:ext>
+            </a:extLst>
+          </p:cNvPr>
           <p:cNvPicPr>
             <a:picLocks noChangeAspect="1"/>
           </p:cNvPicPr>
@@ -4346,8 +4258,38 @@
         </p:blipFill>
         <p:spPr>
           <a:xfrm>
-            <a:off x="3736975" y="1485900"/>
-            <a:ext cx="4514850" cy="7696200"/>
+            <a:off x="1183579" y="1619604"/>
+            <a:ext cx="3645972" cy="4763379"/>
+          </a:xfrm>
+          <a:prstGeom prst="rect">
+            <a:avLst/>
+          </a:prstGeom>
+        </p:spPr>
+      </p:pic>
+      <p:pic>
+        <p:nvPicPr>
+          <p:cNvPr id="6" name="Picture 5">
+            <a:extLst>
+              <a:ext uri="{FF2B5EF4-FFF2-40B4-BE49-F238E27FC236}">
+                <a16:creationId xmlns:a16="http://schemas.microsoft.com/office/drawing/2014/main" id="{3B57CDCF-9810-4DBB-9A60-B0C19D614A8A}"/>
+              </a:ext>
+            </a:extLst>
+          </p:cNvPr>
+          <p:cNvPicPr>
+            <a:picLocks noChangeAspect="1"/>
+          </p:cNvPicPr>
+          <p:nvPr/>
+        </p:nvPicPr>
+        <p:blipFill>
+          <a:blip r:embed="rId3"/>
+          <a:stretch>
+            <a:fillRect/>
+          </a:stretch>
+        </p:blipFill>
+        <p:spPr>
+          <a:xfrm>
+            <a:off x="7012256" y="1611615"/>
+            <a:ext cx="3652087" cy="4771368"/>
           </a:xfrm>
           <a:prstGeom prst="rect">
             <a:avLst/>
@@ -4435,7 +4377,13 @@
       </p:sp>
       <p:pic>
         <p:nvPicPr>
-          <p:cNvPr id="5" name="Picture 4"/>
+          <p:cNvPr id="4" name="Picture 3">
+            <a:extLst>
+              <a:ext uri="{FF2B5EF4-FFF2-40B4-BE49-F238E27FC236}">
+                <a16:creationId xmlns:a16="http://schemas.microsoft.com/office/drawing/2014/main" id="{06D30BA1-DB97-4EA7-BC57-B9DEA011CD57}"/>
+              </a:ext>
+            </a:extLst>
+          </p:cNvPr>
           <p:cNvPicPr>
             <a:picLocks noChangeAspect="1"/>
           </p:cNvPicPr>
@@ -4449,8 +4397,8 @@
         </p:blipFill>
         <p:spPr>
           <a:xfrm>
-            <a:off x="4252912" y="1905000"/>
-            <a:ext cx="3381375" cy="5791200"/>
+            <a:off x="4211382" y="1933580"/>
+            <a:ext cx="3769236" cy="4924420"/>
           </a:xfrm>
           <a:prstGeom prst="rect">
             <a:avLst/>
@@ -4530,7 +4478,13 @@
       </p:sp>
       <p:pic>
         <p:nvPicPr>
-          <p:cNvPr id="4" name="Picture 3"/>
+          <p:cNvPr id="5" name="Picture 4">
+            <a:extLst>
+              <a:ext uri="{FF2B5EF4-FFF2-40B4-BE49-F238E27FC236}">
+                <a16:creationId xmlns:a16="http://schemas.microsoft.com/office/drawing/2014/main" id="{874C9183-6563-4159-9A6E-AD551F2A7A77}"/>
+              </a:ext>
+            </a:extLst>
+          </p:cNvPr>
           <p:cNvPicPr>
             <a:picLocks noChangeAspect="1"/>
           </p:cNvPicPr>
@@ -4544,8 +4498,8 @@
         </p:blipFill>
         <p:spPr>
           <a:xfrm>
-            <a:off x="1652587" y="1371600"/>
-            <a:ext cx="8886825" cy="5486400"/>
+            <a:off x="4631469" y="1520741"/>
+            <a:ext cx="3797316" cy="4961106"/>
           </a:xfrm>
           <a:prstGeom prst="rect">
             <a:avLst/>
@@ -4633,22 +4587,56 @@
       </p:sp>
       <p:pic>
         <p:nvPicPr>
-          <p:cNvPr id="4" name="Picture 3"/>
+          <p:cNvPr id="5" name="Picture 4">
+            <a:extLst>
+              <a:ext uri="{FF2B5EF4-FFF2-40B4-BE49-F238E27FC236}">
+                <a16:creationId xmlns:a16="http://schemas.microsoft.com/office/drawing/2014/main" id="{B51BD117-9597-4CD5-9AB1-A90C56CB852A}"/>
+              </a:ext>
+            </a:extLst>
+          </p:cNvPr>
           <p:cNvPicPr>
             <a:picLocks noChangeAspect="1"/>
           </p:cNvPicPr>
           <p:nvPr/>
         </p:nvPicPr>
-        <p:blipFill>
+        <p:blipFill rotWithShape="1">
           <a:blip r:embed="rId2"/>
-          <a:stretch>
-            <a:fillRect/>
-          </a:stretch>
+          <a:srcRect t="10066"/>
+          <a:stretch/>
         </p:blipFill>
         <p:spPr>
           <a:xfrm>
-            <a:off x="2451100" y="1767559"/>
-            <a:ext cx="7297737" cy="5090441"/>
+            <a:off x="680276" y="1944558"/>
+            <a:ext cx="6420191" cy="3097472"/>
+          </a:xfrm>
+          <a:prstGeom prst="rect">
+            <a:avLst/>
+          </a:prstGeom>
+        </p:spPr>
+      </p:pic>
+      <p:pic>
+        <p:nvPicPr>
+          <p:cNvPr id="6" name="Picture 5">
+            <a:extLst>
+              <a:ext uri="{FF2B5EF4-FFF2-40B4-BE49-F238E27FC236}">
+                <a16:creationId xmlns:a16="http://schemas.microsoft.com/office/drawing/2014/main" id="{CF7249E6-B996-4436-B6A7-BDA8D52BE073}"/>
+              </a:ext>
+            </a:extLst>
+          </p:cNvPr>
+          <p:cNvPicPr>
+            <a:picLocks noChangeAspect="1"/>
+          </p:cNvPicPr>
+          <p:nvPr/>
+        </p:nvPicPr>
+        <p:blipFill rotWithShape="1">
+          <a:blip r:embed="rId3"/>
+          <a:srcRect t="27304"/>
+          <a:stretch/>
+        </p:blipFill>
+        <p:spPr>
+          <a:xfrm>
+            <a:off x="4429957" y="3670553"/>
+            <a:ext cx="7566734" cy="2950910"/>
           </a:xfrm>
           <a:prstGeom prst="rect">
             <a:avLst/>
@@ -4728,7 +4716,13 @@
       </p:sp>
       <p:pic>
         <p:nvPicPr>
-          <p:cNvPr id="4" name="Picture 3"/>
+          <p:cNvPr id="5" name="Picture 4">
+            <a:extLst>
+              <a:ext uri="{FF2B5EF4-FFF2-40B4-BE49-F238E27FC236}">
+                <a16:creationId xmlns:a16="http://schemas.microsoft.com/office/drawing/2014/main" id="{B937AC75-914F-4D90-852A-2E9D057CB76B}"/>
+              </a:ext>
+            </a:extLst>
+          </p:cNvPr>
           <p:cNvPicPr>
             <a:picLocks noChangeAspect="1"/>
           </p:cNvPicPr>
@@ -4742,8 +4736,8 @@
         </p:blipFill>
         <p:spPr>
           <a:xfrm>
-            <a:off x="1652587" y="1371600"/>
-            <a:ext cx="8886825" cy="5486400"/>
+            <a:off x="4314655" y="1542366"/>
+            <a:ext cx="3562689" cy="4654572"/>
           </a:xfrm>
           <a:prstGeom prst="rect">
             <a:avLst/>
@@ -4822,7 +4816,7 @@
           <a:bodyPr/>
           <a:lstStyle/>
           <a:p>
-            <a:endParaRPr lang="en-US"/>
+            <a:endParaRPr lang="en-US" dirty="0"/>
           </a:p>
         </p:txBody>
       </p:sp>
@@ -4849,8 +4843,8 @@
         </p:blipFill>
         <p:spPr bwMode="auto">
           <a:xfrm>
-            <a:off x="1943100" y="1454054"/>
-            <a:ext cx="7635874" cy="6107208"/>
+            <a:off x="838200" y="1690688"/>
+            <a:ext cx="4869669" cy="3894784"/>
           </a:xfrm>
           <a:prstGeom prst="rect">
             <a:avLst/>
@@ -4867,6 +4861,106 @@
           </a:extLst>
         </p:spPr>
       </p:pic>
+      <p:pic>
+        <p:nvPicPr>
+          <p:cNvPr id="5" name="Picture 4">
+            <a:extLst>
+              <a:ext uri="{FF2B5EF4-FFF2-40B4-BE49-F238E27FC236}">
+                <a16:creationId xmlns:a16="http://schemas.microsoft.com/office/drawing/2014/main" id="{5A4A87FD-C5AD-4B3F-8643-9933CBBE0D14}"/>
+              </a:ext>
+            </a:extLst>
+          </p:cNvPr>
+          <p:cNvPicPr>
+            <a:picLocks noChangeAspect="1"/>
+          </p:cNvPicPr>
+          <p:nvPr/>
+        </p:nvPicPr>
+        <p:blipFill>
+          <a:blip r:embed="rId3"/>
+          <a:stretch>
+            <a:fillRect/>
+          </a:stretch>
+        </p:blipFill>
+        <p:spPr>
+          <a:xfrm>
+            <a:off x="7293741" y="1708539"/>
+            <a:ext cx="3609464" cy="3859081"/>
+          </a:xfrm>
+          <a:prstGeom prst="rect">
+            <a:avLst/>
+          </a:prstGeom>
+        </p:spPr>
+      </p:pic>
+      <p:sp>
+        <p:nvSpPr>
+          <p:cNvPr id="6" name="TextBox 5">
+            <a:extLst>
+              <a:ext uri="{FF2B5EF4-FFF2-40B4-BE49-F238E27FC236}">
+                <a16:creationId xmlns:a16="http://schemas.microsoft.com/office/drawing/2014/main" id="{9C233CF3-7A56-46A6-A399-6EC0962F73B0}"/>
+              </a:ext>
+            </a:extLst>
+          </p:cNvPr>
+          <p:cNvSpPr txBox="1"/>
+          <p:nvPr/>
+        </p:nvSpPr>
+        <p:spPr>
+          <a:xfrm>
+            <a:off x="8382924" y="5807631"/>
+            <a:ext cx="1403846" cy="369332"/>
+          </a:xfrm>
+          <a:prstGeom prst="rect">
+            <a:avLst/>
+          </a:prstGeom>
+          <a:noFill/>
+        </p:spPr>
+        <p:txBody>
+          <a:bodyPr wrap="none" rtlCol="0">
+            <a:spAutoFit/>
+          </a:bodyPr>
+          <a:lstStyle/>
+          <a:p>
+            <a:r>
+              <a:rPr lang="en-US" dirty="0"/>
+              <a:t>In ArcGIS Pro</a:t>
+            </a:r>
+          </a:p>
+        </p:txBody>
+      </p:sp>
+      <p:sp>
+        <p:nvSpPr>
+          <p:cNvPr id="9" name="TextBox 8">
+            <a:extLst>
+              <a:ext uri="{FF2B5EF4-FFF2-40B4-BE49-F238E27FC236}">
+                <a16:creationId xmlns:a16="http://schemas.microsoft.com/office/drawing/2014/main" id="{4D4FDD9C-14D4-4238-A4DA-87F1280B1060}"/>
+              </a:ext>
+            </a:extLst>
+          </p:cNvPr>
+          <p:cNvSpPr txBox="1"/>
+          <p:nvPr/>
+        </p:nvSpPr>
+        <p:spPr>
+          <a:xfrm>
+            <a:off x="2405230" y="5640590"/>
+            <a:ext cx="1154290" cy="369332"/>
+          </a:xfrm>
+          <a:prstGeom prst="rect">
+            <a:avLst/>
+          </a:prstGeom>
+          <a:noFill/>
+        </p:spPr>
+        <p:txBody>
+          <a:bodyPr wrap="none" rtlCol="0">
+            <a:spAutoFit/>
+          </a:bodyPr>
+          <a:lstStyle/>
+          <a:p>
+            <a:r>
+              <a:rPr lang="en-US" dirty="0"/>
+              <a:t>In ArcMap</a:t>
+            </a:r>
+          </a:p>
+        </p:txBody>
+      </p:sp>
     </p:spTree>
     <p:extLst>
       <p:ext uri="{BB962C8B-B14F-4D97-AF65-F5344CB8AC3E}">
